--- a/slides/python/ppt/02 - Data Structures.pptx
+++ b/slides/python/ppt/02 - Data Structures.pptx
@@ -5,10 +5,10 @@
     <p:sldMasterId id="2147483672" r:id="rId1"/>
   </p:sldMasterIdLst>
   <p:notesMasterIdLst>
-    <p:notesMasterId r:id="rId70"/>
+    <p:notesMasterId r:id="rId74"/>
   </p:notesMasterIdLst>
   <p:handoutMasterIdLst>
-    <p:handoutMasterId r:id="rId71"/>
+    <p:handoutMasterId r:id="rId75"/>
   </p:handoutMasterIdLst>
   <p:sldIdLst>
     <p:sldId id="256" r:id="rId2"/>
@@ -79,6 +79,10 @@
     <p:sldId id="341" r:id="rId67"/>
     <p:sldId id="342" r:id="rId68"/>
     <p:sldId id="343" r:id="rId69"/>
+    <p:sldId id="355" r:id="rId70"/>
+    <p:sldId id="356" r:id="rId71"/>
+    <p:sldId id="357" r:id="rId72"/>
+    <p:sldId id="358" r:id="rId73"/>
   </p:sldIdLst>
   <p:sldSz cx="9144000" cy="6858000" type="screen4x3"/>
   <p:notesSz cx="6858000" cy="9144000"/>
@@ -334,7 +338,7 @@
           <a:p>
             <a:fld id="{C543F2BA-9128-DF4E-8DE0-A51BD831198C}" type="datetimeFigureOut">
               <a:rPr lang="en-GB" smtClean="0"/>
-              <a:t>20/11/2020</a:t>
+              <a:t>23/11/2020</a:t>
             </a:fld>
             <a:endParaRPr lang="en-GB"/>
           </a:p>
@@ -551,7 +555,7 @@
               <a:pPr>
                 <a:defRPr/>
               </a:pPr>
-              <a:t>20/11/20</a:t>
+              <a:t>23/11/20</a:t>
             </a:fld>
             <a:endParaRPr lang="it-IT"/>
           </a:p>
@@ -9907,27 +9911,7 @@
                   </a:schemeClr>
                 </a:solidFill>
               </a:rPr>
-              <a:t> the </a:t>
-            </a:r>
-            <a:r>
-              <a:rPr lang="it-IT" sz="2800" dirty="0" err="1">
-                <a:solidFill>
-                  <a:schemeClr val="accent6">
-                    <a:lumMod val="75000"/>
-                  </a:schemeClr>
-                </a:solidFill>
-              </a:rPr>
-              <a:t>elements</a:t>
-            </a:r>
-            <a:r>
-              <a:rPr lang="it-IT" sz="2800" dirty="0">
-                <a:solidFill>
-                  <a:schemeClr val="accent6">
-                    <a:lumMod val="75000"/>
-                  </a:schemeClr>
-                </a:solidFill>
-              </a:rPr>
-              <a:t> of a </a:t>
+              <a:t> a </a:t>
             </a:r>
             <a:r>
               <a:rPr lang="it-IT" sz="2800" dirty="0" err="1">
@@ -11532,7 +11516,7 @@
           <a:p>
             <a:r>
               <a:rPr lang="en-GB" sz="2000" dirty="0"/>
-              <a:t>But, </a:t>
+              <a:t>However, </a:t>
             </a:r>
             <a:r>
               <a:rPr lang="en-GB" sz="2000" dirty="0">
@@ -31806,6 +31790,64 @@
 </p:sld>
 </file>
 
+<file path=ppt/slides/slide69.xml><?xml version="1.0" encoding="utf-8"?>
+<p:sld xmlns:a="http://schemas.openxmlformats.org/drawingml/2006/main" xmlns:r="http://schemas.openxmlformats.org/officeDocument/2006/relationships" xmlns:p="http://schemas.openxmlformats.org/presentationml/2006/main">
+  <p:cSld>
+    <p:spTree>
+      <p:nvGrpSpPr>
+        <p:cNvPr id="1" name=""/>
+        <p:cNvGrpSpPr/>
+        <p:nvPr/>
+      </p:nvGrpSpPr>
+      <p:grpSpPr>
+        <a:xfrm>
+          <a:off x="0" y="0"/>
+          <a:ext cx="0" cy="0"/>
+          <a:chOff x="0" y="0"/>
+          <a:chExt cx="0" cy="0"/>
+        </a:xfrm>
+      </p:grpSpPr>
+      <p:sp>
+        <p:nvSpPr>
+          <p:cNvPr id="17409" name="Titolo 1">
+            <a:extLst>
+              <a:ext uri="{FF2B5EF4-FFF2-40B4-BE49-F238E27FC236}">
+                <a16:creationId xmlns:a16="http://schemas.microsoft.com/office/drawing/2014/main" id="{CBB5750F-38AD-2846-9882-39391BBC4796}"/>
+              </a:ext>
+            </a:extLst>
+          </p:cNvPr>
+          <p:cNvSpPr>
+            <a:spLocks noGrp="1" noChangeArrowheads="1"/>
+          </p:cNvSpPr>
+          <p:nvPr>
+            <p:ph type="ctrTitle"/>
+          </p:nvPr>
+        </p:nvSpPr>
+        <p:spPr/>
+        <p:txBody>
+          <a:bodyPr/>
+          <a:lstStyle/>
+          <a:p>
+            <a:r>
+              <a:rPr lang="it-IT" altLang="it-IT" dirty="0"/>
+              <a:t>…</a:t>
+            </a:r>
+          </a:p>
+        </p:txBody>
+      </p:sp>
+    </p:spTree>
+    <p:extLst>
+      <p:ext uri="{BB962C8B-B14F-4D97-AF65-F5344CB8AC3E}">
+        <p14:creationId xmlns:p14="http://schemas.microsoft.com/office/powerpoint/2010/main" val="610637916"/>
+      </p:ext>
+    </p:extLst>
+  </p:cSld>
+  <p:clrMapOvr>
+    <a:masterClrMapping/>
+  </p:clrMapOvr>
+</p:sld>
+</file>
+
 <file path=ppt/slides/slide7.xml><?xml version="1.0" encoding="utf-8"?>
 <p:sld xmlns:a="http://schemas.openxmlformats.org/drawingml/2006/main" xmlns:r="http://schemas.openxmlformats.org/officeDocument/2006/relationships" xmlns:p="http://schemas.openxmlformats.org/presentationml/2006/main">
   <p:cSld>
@@ -32133,6 +32175,1772 @@
     <p:extLst>
       <p:ext uri="{BB962C8B-B14F-4D97-AF65-F5344CB8AC3E}">
         <p14:creationId xmlns:p14="http://schemas.microsoft.com/office/powerpoint/2010/main" val="2788474302"/>
+      </p:ext>
+    </p:extLst>
+  </p:cSld>
+  <p:clrMapOvr>
+    <a:masterClrMapping/>
+  </p:clrMapOvr>
+</p:sld>
+</file>
+
+<file path=ppt/slides/slide70.xml><?xml version="1.0" encoding="utf-8"?>
+<p:sld xmlns:a="http://schemas.openxmlformats.org/drawingml/2006/main" xmlns:r="http://schemas.openxmlformats.org/officeDocument/2006/relationships" xmlns:p="http://schemas.openxmlformats.org/presentationml/2006/main">
+  <p:cSld>
+    <p:spTree>
+      <p:nvGrpSpPr>
+        <p:cNvPr id="1" name=""/>
+        <p:cNvGrpSpPr/>
+        <p:nvPr/>
+      </p:nvGrpSpPr>
+      <p:grpSpPr>
+        <a:xfrm>
+          <a:off x="0" y="0"/>
+          <a:ext cx="0" cy="0"/>
+          <a:chOff x="0" y="0"/>
+          <a:chExt cx="0" cy="0"/>
+        </a:xfrm>
+      </p:grpSpPr>
+      <p:sp>
+        <p:nvSpPr>
+          <p:cNvPr id="2" name="Title 1">
+            <a:extLst>
+              <a:ext uri="{FF2B5EF4-FFF2-40B4-BE49-F238E27FC236}">
+                <a16:creationId xmlns:a16="http://schemas.microsoft.com/office/drawing/2014/main" id="{F2723185-E10B-8145-8F66-31D0CCAA3B47}"/>
+              </a:ext>
+            </a:extLst>
+          </p:cNvPr>
+          <p:cNvSpPr>
+            <a:spLocks noGrp="1"/>
+          </p:cNvSpPr>
+          <p:nvPr>
+            <p:ph type="title"/>
+          </p:nvPr>
+        </p:nvSpPr>
+        <p:spPr/>
+        <p:txBody>
+          <a:bodyPr/>
+          <a:lstStyle/>
+          <a:p>
+            <a:r>
+              <a:rPr lang="it-IT" dirty="0" err="1"/>
+              <a:t>Shallow</a:t>
+            </a:r>
+            <a:r>
+              <a:rPr lang="it-IT" dirty="0"/>
+              <a:t> Copy</a:t>
+            </a:r>
+          </a:p>
+        </p:txBody>
+      </p:sp>
+      <p:sp>
+        <p:nvSpPr>
+          <p:cNvPr id="5" name="Content Placeholder 4">
+            <a:extLst>
+              <a:ext uri="{FF2B5EF4-FFF2-40B4-BE49-F238E27FC236}">
+                <a16:creationId xmlns:a16="http://schemas.microsoft.com/office/drawing/2014/main" id="{08040C98-4E31-714A-A379-E58C6B4AA49F}"/>
+              </a:ext>
+            </a:extLst>
+          </p:cNvPr>
+          <p:cNvSpPr>
+            <a:spLocks noGrp="1"/>
+          </p:cNvSpPr>
+          <p:nvPr>
+            <p:ph sz="half" idx="1"/>
+          </p:nvPr>
+        </p:nvSpPr>
+        <p:spPr/>
+        <p:txBody>
+          <a:bodyPr/>
+          <a:lstStyle/>
+          <a:p>
+            <a:r>
+              <a:rPr lang="it-IT" sz="1800" dirty="0"/>
+              <a:t>The </a:t>
+            </a:r>
+            <a:r>
+              <a:rPr lang="it-IT" sz="1800" dirty="0" err="1"/>
+              <a:t>easiest</a:t>
+            </a:r>
+            <a:r>
+              <a:rPr lang="it-IT" sz="1800" dirty="0"/>
+              <a:t> way to copy a list (or </a:t>
+            </a:r>
+            <a:r>
+              <a:rPr lang="it-IT" sz="1800" dirty="0" err="1"/>
+              <a:t>most</a:t>
+            </a:r>
+            <a:r>
+              <a:rPr lang="it-IT" sz="1800" dirty="0"/>
+              <a:t> </a:t>
+            </a:r>
+            <a:r>
+              <a:rPr lang="it-IT" sz="1800" dirty="0" err="1"/>
+              <a:t>built</a:t>
+            </a:r>
+            <a:r>
+              <a:rPr lang="it-IT" sz="1800" dirty="0"/>
+              <a:t>-in </a:t>
+            </a:r>
+            <a:r>
+              <a:rPr lang="it-IT" sz="1800" dirty="0" err="1"/>
+              <a:t>mutable</a:t>
+            </a:r>
+            <a:r>
+              <a:rPr lang="it-IT" sz="1800" dirty="0"/>
+              <a:t> </a:t>
+            </a:r>
+            <a:r>
+              <a:rPr lang="it-IT" sz="1800" dirty="0" err="1"/>
+              <a:t>collections</a:t>
+            </a:r>
+            <a:r>
+              <a:rPr lang="it-IT" sz="1800" dirty="0"/>
+              <a:t>) </a:t>
+            </a:r>
+            <a:r>
+              <a:rPr lang="it-IT" sz="1800" dirty="0" err="1"/>
+              <a:t>is</a:t>
+            </a:r>
+            <a:r>
+              <a:rPr lang="it-IT" sz="1800" dirty="0"/>
+              <a:t> to </a:t>
+            </a:r>
+            <a:r>
+              <a:rPr lang="it-IT" sz="1800" dirty="0">
+                <a:solidFill>
+                  <a:schemeClr val="accent6">
+                    <a:lumMod val="75000"/>
+                  </a:schemeClr>
+                </a:solidFill>
+              </a:rPr>
+              <a:t>use the </a:t>
+            </a:r>
+            <a:r>
+              <a:rPr lang="it-IT" sz="1800" dirty="0" err="1">
+                <a:solidFill>
+                  <a:schemeClr val="accent6">
+                    <a:lumMod val="75000"/>
+                  </a:schemeClr>
+                </a:solidFill>
+              </a:rPr>
+              <a:t>built</a:t>
+            </a:r>
+            <a:r>
+              <a:rPr lang="it-IT" sz="1800" dirty="0">
+                <a:solidFill>
+                  <a:schemeClr val="accent6">
+                    <a:lumMod val="75000"/>
+                  </a:schemeClr>
+                </a:solidFill>
+              </a:rPr>
+              <a:t>-in </a:t>
+            </a:r>
+            <a:r>
+              <a:rPr lang="it-IT" sz="1800" dirty="0" err="1">
+                <a:solidFill>
+                  <a:schemeClr val="accent6">
+                    <a:lumMod val="75000"/>
+                  </a:schemeClr>
+                </a:solidFill>
+              </a:rPr>
+              <a:t>constructor</a:t>
+            </a:r>
+            <a:r>
+              <a:rPr lang="it-IT" sz="1800" dirty="0">
+                <a:solidFill>
+                  <a:schemeClr val="accent6">
+                    <a:lumMod val="75000"/>
+                  </a:schemeClr>
+                </a:solidFill>
+              </a:rPr>
+              <a:t> for the </a:t>
+            </a:r>
+            <a:r>
+              <a:rPr lang="it-IT" sz="1800" dirty="0" err="1">
+                <a:solidFill>
+                  <a:schemeClr val="accent6">
+                    <a:lumMod val="75000"/>
+                  </a:schemeClr>
+                </a:solidFill>
+              </a:rPr>
+              <a:t>type</a:t>
+            </a:r>
+            <a:r>
+              <a:rPr lang="it-IT" sz="1800" dirty="0">
+                <a:solidFill>
+                  <a:schemeClr val="accent6">
+                    <a:lumMod val="75000"/>
+                  </a:schemeClr>
+                </a:solidFill>
+              </a:rPr>
+              <a:t> </a:t>
+            </a:r>
+            <a:r>
+              <a:rPr lang="it-IT" sz="1800" dirty="0" err="1">
+                <a:solidFill>
+                  <a:schemeClr val="accent6">
+                    <a:lumMod val="75000"/>
+                  </a:schemeClr>
+                </a:solidFill>
+              </a:rPr>
+              <a:t>itself</a:t>
+            </a:r>
+            <a:r>
+              <a:rPr lang="it-IT" sz="1800" dirty="0"/>
+              <a:t>.  For </a:t>
+            </a:r>
+            <a:r>
+              <a:rPr lang="it-IT" sz="1800" dirty="0" err="1"/>
+              <a:t>lists</a:t>
+            </a:r>
+            <a:r>
+              <a:rPr lang="it-IT" sz="1800" dirty="0"/>
+              <a:t> and </a:t>
+            </a:r>
+            <a:r>
+              <a:rPr lang="it-IT" sz="1800" dirty="0" err="1"/>
+              <a:t>other</a:t>
+            </a:r>
+            <a:r>
+              <a:rPr lang="it-IT" sz="1800" dirty="0"/>
+              <a:t> </a:t>
+            </a:r>
+            <a:r>
+              <a:rPr lang="it-IT" sz="1800" dirty="0" err="1"/>
+              <a:t>mutable</a:t>
+            </a:r>
+            <a:r>
+              <a:rPr lang="it-IT" sz="1800" dirty="0"/>
+              <a:t> </a:t>
+            </a:r>
+            <a:r>
+              <a:rPr lang="it-IT" sz="1800" dirty="0" err="1"/>
+              <a:t>sequences</a:t>
+            </a:r>
+            <a:r>
+              <a:rPr lang="it-IT" sz="1800" dirty="0"/>
+              <a:t>, the </a:t>
+            </a:r>
+            <a:r>
+              <a:rPr lang="it-IT" sz="1800" dirty="0" err="1">
+                <a:solidFill>
+                  <a:schemeClr val="accent6">
+                    <a:lumMod val="75000"/>
+                  </a:schemeClr>
+                </a:solidFill>
+              </a:rPr>
+              <a:t>shortcut</a:t>
+            </a:r>
+            <a:r>
+              <a:rPr lang="it-IT" sz="1800" dirty="0">
+                <a:solidFill>
+                  <a:schemeClr val="accent6">
+                    <a:lumMod val="75000"/>
+                  </a:schemeClr>
+                </a:solidFill>
+              </a:rPr>
+              <a:t> l2 = l1[:] </a:t>
+            </a:r>
+            <a:r>
+              <a:rPr lang="it-IT" sz="1800" dirty="0" err="1">
+                <a:solidFill>
+                  <a:schemeClr val="accent6">
+                    <a:lumMod val="75000"/>
+                  </a:schemeClr>
+                </a:solidFill>
+              </a:rPr>
+              <a:t>also</a:t>
+            </a:r>
+            <a:r>
+              <a:rPr lang="it-IT" sz="1800" dirty="0">
+                <a:solidFill>
+                  <a:schemeClr val="accent6">
+                    <a:lumMod val="75000"/>
+                  </a:schemeClr>
+                </a:solidFill>
+              </a:rPr>
+              <a:t> </a:t>
+            </a:r>
+            <a:r>
+              <a:rPr lang="it-IT" sz="1800" dirty="0" err="1">
+                <a:solidFill>
+                  <a:schemeClr val="accent6">
+                    <a:lumMod val="75000"/>
+                  </a:schemeClr>
+                </a:solidFill>
+              </a:rPr>
+              <a:t>makes</a:t>
+            </a:r>
+            <a:r>
+              <a:rPr lang="it-IT" sz="1800" dirty="0">
+                <a:solidFill>
+                  <a:schemeClr val="accent6">
+                    <a:lumMod val="75000"/>
+                  </a:schemeClr>
+                </a:solidFill>
+              </a:rPr>
+              <a:t> a copy</a:t>
+            </a:r>
+            <a:r>
+              <a:rPr lang="it-IT" sz="1800" dirty="0"/>
+              <a:t>. </a:t>
+            </a:r>
+          </a:p>
+          <a:p>
+            <a:r>
+              <a:rPr lang="it-IT" sz="1800" dirty="0" err="1"/>
+              <a:t>However</a:t>
+            </a:r>
+            <a:r>
+              <a:rPr lang="it-IT" sz="1800" dirty="0"/>
+              <a:t>, </a:t>
+            </a:r>
+            <a:r>
+              <a:rPr lang="it-IT" sz="1800" dirty="0" err="1">
+                <a:solidFill>
+                  <a:schemeClr val="accent6">
+                    <a:lumMod val="75000"/>
+                  </a:schemeClr>
+                </a:solidFill>
+              </a:rPr>
+              <a:t>using</a:t>
+            </a:r>
+            <a:r>
+              <a:rPr lang="it-IT" sz="1800" dirty="0">
+                <a:solidFill>
+                  <a:schemeClr val="accent6">
+                    <a:lumMod val="75000"/>
+                  </a:schemeClr>
+                </a:solidFill>
+              </a:rPr>
+              <a:t> the </a:t>
+            </a:r>
+            <a:r>
+              <a:rPr lang="it-IT" sz="1800" dirty="0" err="1">
+                <a:solidFill>
+                  <a:schemeClr val="accent6">
+                    <a:lumMod val="75000"/>
+                  </a:schemeClr>
+                </a:solidFill>
+              </a:rPr>
+              <a:t>constructor</a:t>
+            </a:r>
+            <a:r>
+              <a:rPr lang="it-IT" sz="1800" dirty="0">
+                <a:solidFill>
+                  <a:schemeClr val="accent6">
+                    <a:lumMod val="75000"/>
+                  </a:schemeClr>
+                </a:solidFill>
+              </a:rPr>
+              <a:t> or [:] </a:t>
+            </a:r>
+            <a:r>
+              <a:rPr lang="it-IT" sz="1800" dirty="0" err="1">
+                <a:solidFill>
+                  <a:schemeClr val="accent6">
+                    <a:lumMod val="75000"/>
+                  </a:schemeClr>
+                </a:solidFill>
+              </a:rPr>
+              <a:t>produces</a:t>
+            </a:r>
+            <a:r>
+              <a:rPr lang="it-IT" sz="1800" dirty="0">
+                <a:solidFill>
+                  <a:schemeClr val="accent6">
+                    <a:lumMod val="75000"/>
+                  </a:schemeClr>
+                </a:solidFill>
+              </a:rPr>
+              <a:t> a </a:t>
+            </a:r>
+            <a:r>
+              <a:rPr lang="it-IT" sz="1800" i="1" dirty="0" err="1">
+                <a:solidFill>
+                  <a:schemeClr val="accent6">
+                    <a:lumMod val="75000"/>
+                  </a:schemeClr>
+                </a:solidFill>
+              </a:rPr>
+              <a:t>shallow</a:t>
+            </a:r>
+            <a:r>
+              <a:rPr lang="it-IT" sz="1800" i="1" dirty="0">
+                <a:solidFill>
+                  <a:schemeClr val="accent6">
+                    <a:lumMod val="75000"/>
+                  </a:schemeClr>
+                </a:solidFill>
+              </a:rPr>
+              <a:t> copy </a:t>
+            </a:r>
+            <a:r>
+              <a:rPr lang="it-IT" sz="1800" dirty="0"/>
+              <a:t>(i.e., the </a:t>
+            </a:r>
+            <a:r>
+              <a:rPr lang="it-IT" sz="1800" dirty="0" err="1"/>
+              <a:t>outermost</a:t>
+            </a:r>
+            <a:r>
+              <a:rPr lang="it-IT" sz="1800" dirty="0"/>
+              <a:t> container </a:t>
+            </a:r>
+            <a:r>
+              <a:rPr lang="it-IT" sz="1800" dirty="0" err="1"/>
+              <a:t>is</a:t>
+            </a:r>
+            <a:r>
+              <a:rPr lang="it-IT" sz="1800" dirty="0"/>
+              <a:t> </a:t>
+            </a:r>
+            <a:r>
+              <a:rPr lang="it-IT" sz="1800" dirty="0" err="1"/>
+              <a:t>duplicated</a:t>
+            </a:r>
+            <a:r>
+              <a:rPr lang="it-IT" sz="1800" dirty="0"/>
+              <a:t>, </a:t>
+            </a:r>
+            <a:r>
+              <a:rPr lang="it-IT" sz="1800" dirty="0" err="1"/>
+              <a:t>but</a:t>
+            </a:r>
+            <a:r>
+              <a:rPr lang="it-IT" sz="1800" dirty="0"/>
+              <a:t> the copy </a:t>
+            </a:r>
+            <a:r>
+              <a:rPr lang="it-IT" sz="1800" dirty="0" err="1"/>
+              <a:t>is</a:t>
+            </a:r>
+            <a:r>
+              <a:rPr lang="it-IT" sz="1800" dirty="0"/>
+              <a:t> </a:t>
+            </a:r>
+            <a:r>
+              <a:rPr lang="it-IT" sz="1800" dirty="0" err="1"/>
+              <a:t>filled</a:t>
+            </a:r>
+            <a:r>
+              <a:rPr lang="it-IT" sz="1800" dirty="0"/>
+              <a:t> with </a:t>
+            </a:r>
+            <a:r>
+              <a:rPr lang="it-IT" sz="1800" dirty="0" err="1"/>
+              <a:t>references</a:t>
+            </a:r>
+            <a:r>
+              <a:rPr lang="it-IT" sz="1800" dirty="0"/>
+              <a:t> to the </a:t>
+            </a:r>
+            <a:r>
+              <a:rPr lang="it-IT" sz="1800" dirty="0" err="1"/>
+              <a:t>same</a:t>
+            </a:r>
+            <a:r>
+              <a:rPr lang="it-IT" sz="1800" dirty="0"/>
+              <a:t> </a:t>
+            </a:r>
+            <a:r>
+              <a:rPr lang="it-IT" sz="1800" dirty="0" err="1"/>
+              <a:t>items</a:t>
+            </a:r>
+            <a:r>
+              <a:rPr lang="it-IT" sz="1800" dirty="0"/>
+              <a:t> </a:t>
+            </a:r>
+            <a:r>
+              <a:rPr lang="it-IT" sz="1800" dirty="0" err="1"/>
+              <a:t>held</a:t>
+            </a:r>
+            <a:r>
+              <a:rPr lang="it-IT" sz="1800" dirty="0"/>
+              <a:t> by the </a:t>
+            </a:r>
+            <a:r>
+              <a:rPr lang="it-IT" sz="1800" dirty="0" err="1"/>
+              <a:t>original</a:t>
+            </a:r>
+            <a:r>
+              <a:rPr lang="it-IT" sz="1800" dirty="0"/>
+              <a:t> container). </a:t>
+            </a:r>
+          </a:p>
+          <a:p>
+            <a:r>
+              <a:rPr lang="it-IT" sz="1800" dirty="0" err="1"/>
+              <a:t>This</a:t>
+            </a:r>
+            <a:r>
+              <a:rPr lang="it-IT" sz="1800" dirty="0"/>
+              <a:t> </a:t>
+            </a:r>
+            <a:r>
+              <a:rPr lang="it-IT" sz="1800" dirty="0" err="1"/>
+              <a:t>saves</a:t>
+            </a:r>
+            <a:r>
+              <a:rPr lang="it-IT" sz="1800" dirty="0"/>
+              <a:t> </a:t>
+            </a:r>
+            <a:r>
+              <a:rPr lang="it-IT" sz="1800" dirty="0" err="1"/>
+              <a:t>memory</a:t>
+            </a:r>
+            <a:r>
+              <a:rPr lang="it-IT" sz="1800" dirty="0"/>
+              <a:t> and </a:t>
+            </a:r>
+            <a:r>
+              <a:rPr lang="it-IT" sz="1800" dirty="0" err="1"/>
+              <a:t>causes</a:t>
+            </a:r>
+            <a:r>
+              <a:rPr lang="it-IT" sz="1800" dirty="0"/>
+              <a:t> no </a:t>
+            </a:r>
+            <a:r>
+              <a:rPr lang="it-IT" sz="1800" dirty="0" err="1"/>
+              <a:t>problems</a:t>
+            </a:r>
+            <a:r>
+              <a:rPr lang="it-IT" sz="1800" dirty="0"/>
+              <a:t> </a:t>
+            </a:r>
+            <a:r>
+              <a:rPr lang="it-IT" sz="1800" dirty="0" err="1"/>
+              <a:t>if</a:t>
+            </a:r>
+            <a:r>
+              <a:rPr lang="it-IT" sz="1800" dirty="0"/>
+              <a:t> </a:t>
+            </a:r>
+            <a:r>
+              <a:rPr lang="it-IT" sz="1800" dirty="0" err="1"/>
+              <a:t>all</a:t>
+            </a:r>
+            <a:r>
+              <a:rPr lang="it-IT" sz="1800" dirty="0"/>
+              <a:t> the </a:t>
+            </a:r>
+            <a:r>
+              <a:rPr lang="it-IT" sz="1800" dirty="0" err="1"/>
+              <a:t>items</a:t>
+            </a:r>
+            <a:r>
+              <a:rPr lang="it-IT" sz="1800" dirty="0"/>
+              <a:t> are </a:t>
+            </a:r>
+            <a:r>
+              <a:rPr lang="it-IT" sz="1800" dirty="0" err="1"/>
+              <a:t>immutable</a:t>
+            </a:r>
+            <a:r>
+              <a:rPr lang="it-IT" sz="1800" dirty="0"/>
+              <a:t>. </a:t>
+            </a:r>
+            <a:r>
+              <a:rPr lang="it-IT" sz="1800" dirty="0" err="1"/>
+              <a:t>But</a:t>
+            </a:r>
+            <a:r>
+              <a:rPr lang="it-IT" sz="1800" dirty="0"/>
+              <a:t> </a:t>
+            </a:r>
+            <a:r>
+              <a:rPr lang="it-IT" sz="1800" dirty="0" err="1"/>
+              <a:t>if</a:t>
+            </a:r>
+            <a:r>
+              <a:rPr lang="it-IT" sz="1800" dirty="0"/>
+              <a:t> </a:t>
+            </a:r>
+            <a:r>
+              <a:rPr lang="it-IT" sz="1800" dirty="0" err="1"/>
+              <a:t>there</a:t>
+            </a:r>
+            <a:r>
+              <a:rPr lang="it-IT" sz="1800" dirty="0"/>
+              <a:t> are </a:t>
+            </a:r>
+            <a:r>
+              <a:rPr lang="it-IT" sz="1800" dirty="0" err="1"/>
+              <a:t>mutable</a:t>
+            </a:r>
+            <a:r>
+              <a:rPr lang="it-IT" sz="1800" dirty="0"/>
+              <a:t> </a:t>
+            </a:r>
+            <a:r>
+              <a:rPr lang="it-IT" sz="1800" dirty="0" err="1"/>
+              <a:t>items</a:t>
+            </a:r>
+            <a:r>
+              <a:rPr lang="it-IT" sz="1800" dirty="0"/>
+              <a:t>, </a:t>
+            </a:r>
+            <a:r>
+              <a:rPr lang="it-IT" sz="1800" dirty="0" err="1"/>
+              <a:t>this</a:t>
+            </a:r>
+            <a:r>
+              <a:rPr lang="it-IT" sz="1800" dirty="0"/>
+              <a:t> </a:t>
+            </a:r>
+            <a:r>
+              <a:rPr lang="it-IT" sz="1800" dirty="0" err="1"/>
+              <a:t>may</a:t>
+            </a:r>
+            <a:r>
+              <a:rPr lang="it-IT" sz="1800" dirty="0"/>
+              <a:t> </a:t>
+            </a:r>
+            <a:r>
+              <a:rPr lang="it-IT" sz="1800" dirty="0" err="1"/>
+              <a:t>lead</a:t>
+            </a:r>
+            <a:r>
+              <a:rPr lang="it-IT" sz="1800" dirty="0"/>
+              <a:t> to </a:t>
+            </a:r>
+            <a:r>
+              <a:rPr lang="it-IT" sz="1800" dirty="0" err="1"/>
+              <a:t>unpleasant</a:t>
+            </a:r>
+            <a:r>
+              <a:rPr lang="it-IT" sz="1800" dirty="0"/>
+              <a:t> </a:t>
+            </a:r>
+            <a:r>
+              <a:rPr lang="it-IT" sz="1800" dirty="0" err="1"/>
+              <a:t>surprises</a:t>
+            </a:r>
+            <a:r>
+              <a:rPr lang="it-IT" sz="1800" dirty="0"/>
+              <a:t>. </a:t>
+            </a:r>
+          </a:p>
+          <a:p>
+            <a:endParaRPr lang="it-IT" sz="1800" dirty="0"/>
+          </a:p>
+          <a:p>
+            <a:endParaRPr lang="en-GB" sz="1800" dirty="0"/>
+          </a:p>
+        </p:txBody>
+      </p:sp>
+      <p:sp>
+        <p:nvSpPr>
+          <p:cNvPr id="6" name="Content Placeholder 5">
+            <a:extLst>
+              <a:ext uri="{FF2B5EF4-FFF2-40B4-BE49-F238E27FC236}">
+                <a16:creationId xmlns:a16="http://schemas.microsoft.com/office/drawing/2014/main" id="{C6C47F77-1C93-A84C-8600-865F1E818EE5}"/>
+              </a:ext>
+            </a:extLst>
+          </p:cNvPr>
+          <p:cNvSpPr>
+            <a:spLocks noGrp="1"/>
+          </p:cNvSpPr>
+          <p:nvPr>
+            <p:ph sz="half" idx="2"/>
+          </p:nvPr>
+        </p:nvSpPr>
+        <p:spPr/>
+        <p:txBody>
+          <a:bodyPr/>
+          <a:lstStyle/>
+          <a:p>
+            <a:pPr marL="0" indent="0">
+              <a:buNone/>
+            </a:pPr>
+            <a:r>
+              <a:rPr lang="en-GB" sz="1200" dirty="0">
+                <a:latin typeface="Consolas" panose="020B0609020204030204" pitchFamily="49" charset="0"/>
+                <a:cs typeface="Consolas" panose="020B0609020204030204" pitchFamily="49" charset="0"/>
+              </a:rPr>
+              <a:t>l1 = [3, [55, 44], (7, 8, 9)]</a:t>
+            </a:r>
+          </a:p>
+          <a:p>
+            <a:pPr marL="0" indent="0">
+              <a:buNone/>
+            </a:pPr>
+            <a:r>
+              <a:rPr lang="en-GB" sz="1200" dirty="0">
+                <a:latin typeface="Consolas" panose="020B0609020204030204" pitchFamily="49" charset="0"/>
+                <a:cs typeface="Consolas" panose="020B0609020204030204" pitchFamily="49" charset="0"/>
+              </a:rPr>
+              <a:t>l2 = list(l1)</a:t>
+            </a:r>
+          </a:p>
+          <a:p>
+            <a:pPr marL="0" indent="0">
+              <a:buNone/>
+            </a:pPr>
+            <a:r>
+              <a:rPr lang="en-GB" sz="1200" dirty="0">
+                <a:latin typeface="Consolas" panose="020B0609020204030204" pitchFamily="49" charset="0"/>
+                <a:cs typeface="Consolas" panose="020B0609020204030204" pitchFamily="49" charset="0"/>
+              </a:rPr>
+              <a:t>print(l2 == l1)</a:t>
+            </a:r>
+          </a:p>
+          <a:p>
+            <a:pPr marL="0" indent="0">
+              <a:buNone/>
+            </a:pPr>
+            <a:r>
+              <a:rPr lang="en-GB" sz="1200" dirty="0">
+                <a:latin typeface="Consolas" panose="020B0609020204030204" pitchFamily="49" charset="0"/>
+                <a:cs typeface="Consolas" panose="020B0609020204030204" pitchFamily="49" charset="0"/>
+              </a:rPr>
+              <a:t>print(l2 is l1)</a:t>
+            </a:r>
+          </a:p>
+          <a:p>
+            <a:pPr marL="0" indent="0">
+              <a:buNone/>
+            </a:pPr>
+            <a:endParaRPr lang="en-GB" sz="1200" dirty="0">
+              <a:latin typeface="Consolas" panose="020B0609020204030204" pitchFamily="49" charset="0"/>
+              <a:cs typeface="Consolas" panose="020B0609020204030204" pitchFamily="49" charset="0"/>
+            </a:endParaRPr>
+          </a:p>
+          <a:p>
+            <a:pPr marL="0" indent="0">
+              <a:buNone/>
+            </a:pPr>
+            <a:r>
+              <a:rPr lang="en-GB" sz="1200" dirty="0">
+                <a:latin typeface="Consolas" panose="020B0609020204030204" pitchFamily="49" charset="0"/>
+                <a:cs typeface="Consolas" panose="020B0609020204030204" pitchFamily="49" charset="0"/>
+              </a:rPr>
+              <a:t># Output</a:t>
+            </a:r>
+          </a:p>
+          <a:p>
+            <a:pPr marL="0" indent="0">
+              <a:buNone/>
+            </a:pPr>
+            <a:r>
+              <a:rPr lang="en-GB" sz="1200" dirty="0">
+                <a:latin typeface="Consolas" panose="020B0609020204030204" pitchFamily="49" charset="0"/>
+                <a:cs typeface="Consolas" panose="020B0609020204030204" pitchFamily="49" charset="0"/>
+              </a:rPr>
+              <a:t>True</a:t>
+            </a:r>
+          </a:p>
+          <a:p>
+            <a:pPr marL="0" indent="0">
+              <a:buNone/>
+            </a:pPr>
+            <a:r>
+              <a:rPr lang="en-GB" sz="1200" dirty="0">
+                <a:latin typeface="Consolas" panose="020B0609020204030204" pitchFamily="49" charset="0"/>
+                <a:cs typeface="Consolas" panose="020B0609020204030204" pitchFamily="49" charset="0"/>
+              </a:rPr>
+              <a:t>False</a:t>
+            </a:r>
+          </a:p>
+        </p:txBody>
+      </p:sp>
+      <p:sp>
+        <p:nvSpPr>
+          <p:cNvPr id="4" name="Slide Number Placeholder 3">
+            <a:extLst>
+              <a:ext uri="{FF2B5EF4-FFF2-40B4-BE49-F238E27FC236}">
+                <a16:creationId xmlns:a16="http://schemas.microsoft.com/office/drawing/2014/main" id="{D7E6ED56-F300-9D48-B3C3-A20B67BFA8A0}"/>
+              </a:ext>
+            </a:extLst>
+          </p:cNvPr>
+          <p:cNvSpPr>
+            <a:spLocks noGrp="1"/>
+          </p:cNvSpPr>
+          <p:nvPr>
+            <p:ph type="sldNum" sz="quarter" idx="10"/>
+          </p:nvPr>
+        </p:nvSpPr>
+        <p:spPr/>
+        <p:txBody>
+          <a:bodyPr/>
+          <a:lstStyle/>
+          <a:p>
+            <a:pPr>
+              <a:defRPr/>
+            </a:pPr>
+            <a:fld id="{F2F2B1D7-7472-F447-9180-A50BF452206C}" type="slidenum">
+              <a:rPr lang="it-IT" smtClean="0"/>
+              <a:pPr>
+                <a:defRPr/>
+              </a:pPr>
+              <a:t>70</a:t>
+            </a:fld>
+            <a:endParaRPr lang="it-IT" dirty="0"/>
+          </a:p>
+        </p:txBody>
+      </p:sp>
+      <p:pic>
+        <p:nvPicPr>
+          <p:cNvPr id="7" name="Content Placeholder 7">
+            <a:extLst>
+              <a:ext uri="{FF2B5EF4-FFF2-40B4-BE49-F238E27FC236}">
+                <a16:creationId xmlns:a16="http://schemas.microsoft.com/office/drawing/2014/main" id="{3849120F-9A78-6642-8994-DA62BC1CA6FB}"/>
+              </a:ext>
+            </a:extLst>
+          </p:cNvPr>
+          <p:cNvPicPr>
+            <a:picLocks noChangeAspect="1"/>
+          </p:cNvPicPr>
+          <p:nvPr/>
+        </p:nvPicPr>
+        <p:blipFill>
+          <a:blip r:embed="rId2">
+            <a:extLst>
+              <a:ext uri="{28A0092B-C50C-407E-A947-70E740481C1C}">
+                <a14:useLocalDpi xmlns:a14="http://schemas.microsoft.com/office/drawing/2010/main" val="0"/>
+              </a:ext>
+            </a:extLst>
+          </a:blip>
+          <a:stretch>
+            <a:fillRect/>
+          </a:stretch>
+        </p:blipFill>
+        <p:spPr bwMode="auto">
+          <a:xfrm>
+            <a:off x="4664111" y="3488059"/>
+            <a:ext cx="3724313" cy="3355570"/>
+          </a:xfrm>
+          <a:prstGeom prst="rect">
+            <a:avLst/>
+          </a:prstGeom>
+          <a:noFill/>
+          <a:ln>
+            <a:noFill/>
+          </a:ln>
+          <a:extLst>
+            <a:ext uri="{909E8E84-426E-40DD-AFC4-6F175D3DCCD1}">
+              <a14:hiddenFill xmlns:a14="http://schemas.microsoft.com/office/drawing/2010/main">
+                <a:solidFill>
+                  <a:srgbClr val="FFFFFF"/>
+                </a:solidFill>
+              </a14:hiddenFill>
+            </a:ext>
+            <a:ext uri="{91240B29-F687-4F45-9708-019B960494DF}">
+              <a14:hiddenLine xmlns:a14="http://schemas.microsoft.com/office/drawing/2010/main" w="9525">
+                <a:solidFill>
+                  <a:srgbClr val="000000"/>
+                </a:solidFill>
+                <a:miter lim="800000"/>
+                <a:headEnd/>
+                <a:tailEnd/>
+              </a14:hiddenLine>
+            </a:ext>
+          </a:extLst>
+        </p:spPr>
+      </p:pic>
+    </p:spTree>
+    <p:extLst>
+      <p:ext uri="{BB962C8B-B14F-4D97-AF65-F5344CB8AC3E}">
+        <p14:creationId xmlns:p14="http://schemas.microsoft.com/office/powerpoint/2010/main" val="2882952415"/>
+      </p:ext>
+    </p:extLst>
+  </p:cSld>
+  <p:clrMapOvr>
+    <a:masterClrMapping/>
+  </p:clrMapOvr>
+</p:sld>
+</file>
+
+<file path=ppt/slides/slide71.xml><?xml version="1.0" encoding="utf-8"?>
+<p:sld xmlns:a="http://schemas.openxmlformats.org/drawingml/2006/main" xmlns:r="http://schemas.openxmlformats.org/officeDocument/2006/relationships" xmlns:p="http://schemas.openxmlformats.org/presentationml/2006/main">
+  <p:cSld>
+    <p:spTree>
+      <p:nvGrpSpPr>
+        <p:cNvPr id="1" name=""/>
+        <p:cNvGrpSpPr/>
+        <p:nvPr/>
+      </p:nvGrpSpPr>
+      <p:grpSpPr>
+        <a:xfrm>
+          <a:off x="0" y="0"/>
+          <a:ext cx="0" cy="0"/>
+          <a:chOff x="0" y="0"/>
+          <a:chExt cx="0" cy="0"/>
+        </a:xfrm>
+      </p:grpSpPr>
+      <p:sp>
+        <p:nvSpPr>
+          <p:cNvPr id="2" name="Title 1">
+            <a:extLst>
+              <a:ext uri="{FF2B5EF4-FFF2-40B4-BE49-F238E27FC236}">
+                <a16:creationId xmlns:a16="http://schemas.microsoft.com/office/drawing/2014/main" id="{F2723185-E10B-8145-8F66-31D0CCAA3B47}"/>
+              </a:ext>
+            </a:extLst>
+          </p:cNvPr>
+          <p:cNvSpPr>
+            <a:spLocks noGrp="1"/>
+          </p:cNvSpPr>
+          <p:nvPr>
+            <p:ph type="title"/>
+          </p:nvPr>
+        </p:nvSpPr>
+        <p:spPr/>
+        <p:txBody>
+          <a:bodyPr/>
+          <a:lstStyle/>
+          <a:p>
+            <a:r>
+              <a:rPr lang="it-IT" dirty="0" err="1"/>
+              <a:t>Shallow</a:t>
+            </a:r>
+            <a:r>
+              <a:rPr lang="it-IT" dirty="0"/>
+              <a:t> Copy</a:t>
+            </a:r>
+          </a:p>
+        </p:txBody>
+      </p:sp>
+      <p:sp>
+        <p:nvSpPr>
+          <p:cNvPr id="11" name="Content Placeholder 10">
+            <a:extLst>
+              <a:ext uri="{FF2B5EF4-FFF2-40B4-BE49-F238E27FC236}">
+                <a16:creationId xmlns:a16="http://schemas.microsoft.com/office/drawing/2014/main" id="{9ACCA81E-0FEA-AB4C-8DB6-728D97A8D1D0}"/>
+              </a:ext>
+            </a:extLst>
+          </p:cNvPr>
+          <p:cNvSpPr>
+            <a:spLocks noGrp="1"/>
+          </p:cNvSpPr>
+          <p:nvPr>
+            <p:ph sz="half" idx="2"/>
+          </p:nvPr>
+        </p:nvSpPr>
+        <p:spPr/>
+        <p:txBody>
+          <a:bodyPr/>
+          <a:lstStyle/>
+          <a:p>
+            <a:pPr marL="0" indent="0">
+              <a:buNone/>
+            </a:pPr>
+            <a:r>
+              <a:rPr lang="en-GB" sz="1200" dirty="0">
+                <a:latin typeface="Consolas" panose="020B0609020204030204" pitchFamily="49" charset="0"/>
+                <a:cs typeface="Consolas" panose="020B0609020204030204" pitchFamily="49" charset="0"/>
+              </a:rPr>
+              <a:t>l1 = [3, [66, 55, 44], (7, 8, 9)]</a:t>
+            </a:r>
+          </a:p>
+          <a:p>
+            <a:pPr marL="0" indent="0">
+              <a:buNone/>
+            </a:pPr>
+            <a:r>
+              <a:rPr lang="en-GB" sz="1200" dirty="0">
+                <a:latin typeface="Consolas" panose="020B0609020204030204" pitchFamily="49" charset="0"/>
+                <a:cs typeface="Consolas" panose="020B0609020204030204" pitchFamily="49" charset="0"/>
+              </a:rPr>
+              <a:t>l2 = list(l1)</a:t>
+            </a:r>
+          </a:p>
+          <a:p>
+            <a:pPr marL="0" indent="0">
+              <a:buNone/>
+            </a:pPr>
+            <a:r>
+              <a:rPr lang="en-GB" sz="1200" dirty="0">
+                <a:latin typeface="Consolas" panose="020B0609020204030204" pitchFamily="49" charset="0"/>
+                <a:cs typeface="Consolas" panose="020B0609020204030204" pitchFamily="49" charset="0"/>
+              </a:rPr>
+              <a:t>l1.append(100)</a:t>
+            </a:r>
+          </a:p>
+          <a:p>
+            <a:pPr marL="0" indent="0">
+              <a:buNone/>
+            </a:pPr>
+            <a:r>
+              <a:rPr lang="en-GB" sz="1200" dirty="0">
+                <a:latin typeface="Consolas" panose="020B0609020204030204" pitchFamily="49" charset="0"/>
+                <a:cs typeface="Consolas" panose="020B0609020204030204" pitchFamily="49" charset="0"/>
+              </a:rPr>
+              <a:t>l1[1].remove(55)</a:t>
+            </a:r>
+          </a:p>
+          <a:p>
+            <a:pPr marL="0" indent="0">
+              <a:buNone/>
+            </a:pPr>
+            <a:r>
+              <a:rPr lang="en-GB" sz="1200" dirty="0">
+                <a:latin typeface="Consolas" panose="020B0609020204030204" pitchFamily="49" charset="0"/>
+                <a:cs typeface="Consolas" panose="020B0609020204030204" pitchFamily="49" charset="0"/>
+              </a:rPr>
+              <a:t>print('l1:', l1)</a:t>
+            </a:r>
+          </a:p>
+          <a:p>
+            <a:pPr marL="0" indent="0">
+              <a:buNone/>
+            </a:pPr>
+            <a:r>
+              <a:rPr lang="en-GB" sz="1200" dirty="0">
+                <a:latin typeface="Consolas" panose="020B0609020204030204" pitchFamily="49" charset="0"/>
+                <a:cs typeface="Consolas" panose="020B0609020204030204" pitchFamily="49" charset="0"/>
+              </a:rPr>
+              <a:t>print('l2:', l2)</a:t>
+            </a:r>
+          </a:p>
+          <a:p>
+            <a:pPr marL="0" indent="0">
+              <a:buNone/>
+            </a:pPr>
+            <a:r>
+              <a:rPr lang="en-GB" sz="1200" dirty="0">
+                <a:latin typeface="Consolas" panose="020B0609020204030204" pitchFamily="49" charset="0"/>
+                <a:cs typeface="Consolas" panose="020B0609020204030204" pitchFamily="49" charset="0"/>
+              </a:rPr>
+              <a:t>l2[1] += [33, 22]</a:t>
+            </a:r>
+          </a:p>
+          <a:p>
+            <a:pPr marL="0" indent="0">
+              <a:buNone/>
+            </a:pPr>
+            <a:r>
+              <a:rPr lang="en-GB" sz="1200" dirty="0">
+                <a:latin typeface="Consolas" panose="020B0609020204030204" pitchFamily="49" charset="0"/>
+                <a:cs typeface="Consolas" panose="020B0609020204030204" pitchFamily="49" charset="0"/>
+              </a:rPr>
+              <a:t>l2[2] += (10, 11)</a:t>
+            </a:r>
+          </a:p>
+          <a:p>
+            <a:pPr marL="0" indent="0">
+              <a:buNone/>
+            </a:pPr>
+            <a:r>
+              <a:rPr lang="en-GB" sz="1200" dirty="0">
+                <a:latin typeface="Consolas" panose="020B0609020204030204" pitchFamily="49" charset="0"/>
+                <a:cs typeface="Consolas" panose="020B0609020204030204" pitchFamily="49" charset="0"/>
+              </a:rPr>
+              <a:t>print('l1:', l1)</a:t>
+            </a:r>
+          </a:p>
+          <a:p>
+            <a:pPr marL="0" indent="0">
+              <a:buNone/>
+            </a:pPr>
+            <a:r>
+              <a:rPr lang="en-GB" sz="1200" dirty="0">
+                <a:latin typeface="Consolas" panose="020B0609020204030204" pitchFamily="49" charset="0"/>
+                <a:cs typeface="Consolas" panose="020B0609020204030204" pitchFamily="49" charset="0"/>
+              </a:rPr>
+              <a:t>print('l2:', l2)</a:t>
+            </a:r>
+          </a:p>
+          <a:p>
+            <a:pPr marL="0" indent="0">
+              <a:buNone/>
+            </a:pPr>
+            <a:endParaRPr lang="en-GB" sz="1200" dirty="0">
+              <a:latin typeface="Consolas" panose="020B0609020204030204" pitchFamily="49" charset="0"/>
+              <a:cs typeface="Consolas" panose="020B0609020204030204" pitchFamily="49" charset="0"/>
+            </a:endParaRPr>
+          </a:p>
+          <a:p>
+            <a:pPr marL="0" indent="0">
+              <a:buNone/>
+            </a:pPr>
+            <a:r>
+              <a:rPr lang="en-GB" sz="1200" dirty="0">
+                <a:latin typeface="Consolas" panose="020B0609020204030204" pitchFamily="49" charset="0"/>
+                <a:cs typeface="Consolas" panose="020B0609020204030204" pitchFamily="49" charset="0"/>
+              </a:rPr>
+              <a:t># Output</a:t>
+            </a:r>
+          </a:p>
+          <a:p>
+            <a:pPr marL="0" indent="0">
+              <a:buNone/>
+            </a:pPr>
+            <a:r>
+              <a:rPr lang="en-GB" sz="1200" dirty="0">
+                <a:latin typeface="Consolas" panose="020B0609020204030204" pitchFamily="49" charset="0"/>
+                <a:cs typeface="Consolas" panose="020B0609020204030204" pitchFamily="49" charset="0"/>
+              </a:rPr>
+              <a:t>l1: [3, [66, 44], (7, 8, 9), 100]</a:t>
+            </a:r>
+          </a:p>
+          <a:p>
+            <a:pPr marL="0" indent="0">
+              <a:buNone/>
+            </a:pPr>
+            <a:r>
+              <a:rPr lang="en-GB" sz="1200" dirty="0">
+                <a:latin typeface="Consolas" panose="020B0609020204030204" pitchFamily="49" charset="0"/>
+                <a:cs typeface="Consolas" panose="020B0609020204030204" pitchFamily="49" charset="0"/>
+              </a:rPr>
+              <a:t>l2: [3, [66, 44], (7, 8, 9)]</a:t>
+            </a:r>
+          </a:p>
+          <a:p>
+            <a:pPr marL="0" indent="0">
+              <a:buNone/>
+            </a:pPr>
+            <a:r>
+              <a:rPr lang="en-GB" sz="1200" dirty="0">
+                <a:latin typeface="Consolas" panose="020B0609020204030204" pitchFamily="49" charset="0"/>
+                <a:cs typeface="Consolas" panose="020B0609020204030204" pitchFamily="49" charset="0"/>
+              </a:rPr>
+              <a:t>l1: [3, [66, 44, 33, 22], (7, 8, 9), 100]</a:t>
+            </a:r>
+          </a:p>
+          <a:p>
+            <a:pPr marL="0" indent="0">
+              <a:buNone/>
+            </a:pPr>
+            <a:r>
+              <a:rPr lang="en-GB" sz="1200" dirty="0">
+                <a:latin typeface="Consolas" panose="020B0609020204030204" pitchFamily="49" charset="0"/>
+                <a:cs typeface="Consolas" panose="020B0609020204030204" pitchFamily="49" charset="0"/>
+              </a:rPr>
+              <a:t>l2: [3, [66, 44, 33, 22], (7, 8, 9, 10, 11)]</a:t>
+            </a:r>
+          </a:p>
+        </p:txBody>
+      </p:sp>
+      <p:sp>
+        <p:nvSpPr>
+          <p:cNvPr id="4" name="Slide Number Placeholder 3">
+            <a:extLst>
+              <a:ext uri="{FF2B5EF4-FFF2-40B4-BE49-F238E27FC236}">
+                <a16:creationId xmlns:a16="http://schemas.microsoft.com/office/drawing/2014/main" id="{D7E6ED56-F300-9D48-B3C3-A20B67BFA8A0}"/>
+              </a:ext>
+            </a:extLst>
+          </p:cNvPr>
+          <p:cNvSpPr>
+            <a:spLocks noGrp="1"/>
+          </p:cNvSpPr>
+          <p:nvPr>
+            <p:ph type="sldNum" sz="quarter" idx="10"/>
+          </p:nvPr>
+        </p:nvSpPr>
+        <p:spPr/>
+        <p:txBody>
+          <a:bodyPr/>
+          <a:lstStyle/>
+          <a:p>
+            <a:pPr>
+              <a:defRPr/>
+            </a:pPr>
+            <a:fld id="{F2F2B1D7-7472-F447-9180-A50BF452206C}" type="slidenum">
+              <a:rPr lang="it-IT" smtClean="0"/>
+              <a:pPr>
+                <a:defRPr/>
+              </a:pPr>
+              <a:t>71</a:t>
+            </a:fld>
+            <a:endParaRPr lang="it-IT" dirty="0"/>
+          </a:p>
+        </p:txBody>
+      </p:sp>
+      <p:pic>
+        <p:nvPicPr>
+          <p:cNvPr id="13" name="Picture 12">
+            <a:extLst>
+              <a:ext uri="{FF2B5EF4-FFF2-40B4-BE49-F238E27FC236}">
+                <a16:creationId xmlns:a16="http://schemas.microsoft.com/office/drawing/2014/main" id="{15C0D812-9AC7-1C4D-B126-BDBD71B8B49E}"/>
+              </a:ext>
+            </a:extLst>
+          </p:cNvPr>
+          <p:cNvPicPr>
+            <a:picLocks noChangeAspect="1"/>
+          </p:cNvPicPr>
+          <p:nvPr/>
+        </p:nvPicPr>
+        <p:blipFill>
+          <a:blip r:embed="rId2">
+            <a:extLst>
+              <a:ext uri="{28A0092B-C50C-407E-A947-70E740481C1C}">
+                <a14:useLocalDpi xmlns:a14="http://schemas.microsoft.com/office/drawing/2010/main" val="0"/>
+              </a:ext>
+            </a:extLst>
+          </a:blip>
+          <a:stretch>
+            <a:fillRect/>
+          </a:stretch>
+        </p:blipFill>
+        <p:spPr>
+          <a:xfrm>
+            <a:off x="0" y="1654175"/>
+            <a:ext cx="4638173" cy="2206873"/>
+          </a:xfrm>
+          <a:prstGeom prst="rect">
+            <a:avLst/>
+          </a:prstGeom>
+        </p:spPr>
+      </p:pic>
+      <p:pic>
+        <p:nvPicPr>
+          <p:cNvPr id="15" name="Picture 14">
+            <a:extLst>
+              <a:ext uri="{FF2B5EF4-FFF2-40B4-BE49-F238E27FC236}">
+                <a16:creationId xmlns:a16="http://schemas.microsoft.com/office/drawing/2014/main" id="{E30CE324-0EDC-1E4B-9E6E-35C63FB1DBE2}"/>
+              </a:ext>
+            </a:extLst>
+          </p:cNvPr>
+          <p:cNvPicPr>
+            <a:picLocks noChangeAspect="1"/>
+          </p:cNvPicPr>
+          <p:nvPr/>
+        </p:nvPicPr>
+        <p:blipFill>
+          <a:blip r:embed="rId3">
+            <a:extLst>
+              <a:ext uri="{28A0092B-C50C-407E-A947-70E740481C1C}">
+                <a14:useLocalDpi xmlns:a14="http://schemas.microsoft.com/office/drawing/2010/main" val="0"/>
+              </a:ext>
+            </a:extLst>
+          </a:blip>
+          <a:stretch>
+            <a:fillRect/>
+          </a:stretch>
+        </p:blipFill>
+        <p:spPr>
+          <a:xfrm>
+            <a:off x="0" y="4112164"/>
+            <a:ext cx="4560484" cy="2197156"/>
+          </a:xfrm>
+          <a:prstGeom prst="rect">
+            <a:avLst/>
+          </a:prstGeom>
+        </p:spPr>
+      </p:pic>
+    </p:spTree>
+    <p:extLst>
+      <p:ext uri="{BB962C8B-B14F-4D97-AF65-F5344CB8AC3E}">
+        <p14:creationId xmlns:p14="http://schemas.microsoft.com/office/powerpoint/2010/main" val="3165450394"/>
+      </p:ext>
+    </p:extLst>
+  </p:cSld>
+  <p:clrMapOvr>
+    <a:masterClrMapping/>
+  </p:clrMapOvr>
+</p:sld>
+</file>
+
+<file path=ppt/slides/slide72.xml><?xml version="1.0" encoding="utf-8"?>
+<p:sld xmlns:a="http://schemas.openxmlformats.org/drawingml/2006/main" xmlns:r="http://schemas.openxmlformats.org/officeDocument/2006/relationships" xmlns:p="http://schemas.openxmlformats.org/presentationml/2006/main">
+  <p:cSld>
+    <p:spTree>
+      <p:nvGrpSpPr>
+        <p:cNvPr id="1" name=""/>
+        <p:cNvGrpSpPr/>
+        <p:nvPr/>
+      </p:nvGrpSpPr>
+      <p:grpSpPr>
+        <a:xfrm>
+          <a:off x="0" y="0"/>
+          <a:ext cx="0" cy="0"/>
+          <a:chOff x="0" y="0"/>
+          <a:chExt cx="0" cy="0"/>
+        </a:xfrm>
+      </p:grpSpPr>
+      <p:sp>
+        <p:nvSpPr>
+          <p:cNvPr id="2" name="Title 1">
+            <a:extLst>
+              <a:ext uri="{FF2B5EF4-FFF2-40B4-BE49-F238E27FC236}">
+                <a16:creationId xmlns:a16="http://schemas.microsoft.com/office/drawing/2014/main" id="{C678A38F-E03E-794B-8C4A-B94A18FD22BA}"/>
+              </a:ext>
+            </a:extLst>
+          </p:cNvPr>
+          <p:cNvSpPr>
+            <a:spLocks noGrp="1"/>
+          </p:cNvSpPr>
+          <p:nvPr>
+            <p:ph type="title"/>
+          </p:nvPr>
+        </p:nvSpPr>
+        <p:spPr/>
+        <p:txBody>
+          <a:bodyPr/>
+          <a:lstStyle/>
+          <a:p>
+            <a:r>
+              <a:rPr lang="en-GB" dirty="0"/>
+              <a:t>Deep Copy</a:t>
+            </a:r>
+          </a:p>
+        </p:txBody>
+      </p:sp>
+      <p:sp>
+        <p:nvSpPr>
+          <p:cNvPr id="3" name="Content Placeholder 2">
+            <a:extLst>
+              <a:ext uri="{FF2B5EF4-FFF2-40B4-BE49-F238E27FC236}">
+                <a16:creationId xmlns:a16="http://schemas.microsoft.com/office/drawing/2014/main" id="{0C6D2532-EF80-3746-9A2D-C870B149CB20}"/>
+              </a:ext>
+            </a:extLst>
+          </p:cNvPr>
+          <p:cNvSpPr>
+            <a:spLocks noGrp="1"/>
+          </p:cNvSpPr>
+          <p:nvPr>
+            <p:ph sz="half" idx="1"/>
+          </p:nvPr>
+        </p:nvSpPr>
+        <p:spPr/>
+        <p:txBody>
+          <a:bodyPr/>
+          <a:lstStyle/>
+          <a:p>
+            <a:r>
+              <a:rPr lang="it-IT" sz="2400" dirty="0" err="1"/>
+              <a:t>Working</a:t>
+            </a:r>
+            <a:r>
+              <a:rPr lang="it-IT" sz="2400" dirty="0"/>
+              <a:t> with </a:t>
+            </a:r>
+            <a:r>
+              <a:rPr lang="it-IT" sz="2400" dirty="0" err="1"/>
+              <a:t>shallow</a:t>
+            </a:r>
+            <a:r>
+              <a:rPr lang="it-IT" sz="2400" dirty="0"/>
+              <a:t> </a:t>
+            </a:r>
+            <a:r>
+              <a:rPr lang="it-IT" sz="2400" dirty="0" err="1"/>
+              <a:t>copies</a:t>
+            </a:r>
+            <a:r>
+              <a:rPr lang="it-IT" sz="2400" dirty="0"/>
+              <a:t> </a:t>
+            </a:r>
+            <a:r>
+              <a:rPr lang="it-IT" sz="2400" dirty="0" err="1"/>
+              <a:t>is</a:t>
+            </a:r>
+            <a:r>
+              <a:rPr lang="it-IT" sz="2400" dirty="0"/>
+              <a:t> </a:t>
+            </a:r>
+            <a:r>
+              <a:rPr lang="it-IT" sz="2400" dirty="0" err="1"/>
+              <a:t>not</a:t>
+            </a:r>
+            <a:r>
+              <a:rPr lang="it-IT" sz="2400" dirty="0"/>
+              <a:t> </a:t>
+            </a:r>
+            <a:r>
+              <a:rPr lang="it-IT" sz="2400" dirty="0" err="1"/>
+              <a:t>always</a:t>
+            </a:r>
+            <a:r>
+              <a:rPr lang="it-IT" sz="2400" dirty="0"/>
+              <a:t> a </a:t>
+            </a:r>
+            <a:r>
+              <a:rPr lang="it-IT" sz="2400" dirty="0" err="1"/>
+              <a:t>problem</a:t>
+            </a:r>
+            <a:r>
+              <a:rPr lang="it-IT" sz="2400" dirty="0"/>
+              <a:t>, </a:t>
+            </a:r>
+            <a:r>
+              <a:rPr lang="it-IT" sz="2400" dirty="0" err="1"/>
+              <a:t>but</a:t>
+            </a:r>
+            <a:r>
+              <a:rPr lang="it-IT" sz="2400" dirty="0"/>
+              <a:t> </a:t>
+            </a:r>
+            <a:r>
+              <a:rPr lang="it-IT" sz="2400" dirty="0" err="1"/>
+              <a:t>sometimes</a:t>
+            </a:r>
+            <a:r>
+              <a:rPr lang="it-IT" sz="2400" dirty="0"/>
+              <a:t> </a:t>
+            </a:r>
+            <a:r>
+              <a:rPr lang="it-IT" sz="2400" dirty="0" err="1"/>
+              <a:t>you</a:t>
+            </a:r>
+            <a:r>
+              <a:rPr lang="it-IT" sz="2400" dirty="0"/>
+              <a:t> </a:t>
+            </a:r>
+            <a:r>
+              <a:rPr lang="it-IT" sz="2400" dirty="0" err="1"/>
+              <a:t>need</a:t>
+            </a:r>
+            <a:r>
+              <a:rPr lang="it-IT" sz="2400" dirty="0"/>
+              <a:t> to </a:t>
+            </a:r>
+            <a:r>
+              <a:rPr lang="it-IT" sz="2400" dirty="0" err="1"/>
+              <a:t>make</a:t>
+            </a:r>
+            <a:r>
+              <a:rPr lang="it-IT" sz="2400" dirty="0"/>
+              <a:t> </a:t>
+            </a:r>
+            <a:r>
+              <a:rPr lang="it-IT" sz="2400" dirty="0" err="1">
+                <a:solidFill>
+                  <a:schemeClr val="accent6">
+                    <a:lumMod val="75000"/>
+                  </a:schemeClr>
+                </a:solidFill>
+              </a:rPr>
+              <a:t>deep</a:t>
+            </a:r>
+            <a:r>
+              <a:rPr lang="it-IT" sz="2400" dirty="0">
+                <a:solidFill>
+                  <a:schemeClr val="accent6">
+                    <a:lumMod val="75000"/>
+                  </a:schemeClr>
+                </a:solidFill>
+              </a:rPr>
+              <a:t> </a:t>
+            </a:r>
+            <a:r>
+              <a:rPr lang="it-IT" sz="2400" dirty="0" err="1">
+                <a:solidFill>
+                  <a:schemeClr val="accent6">
+                    <a:lumMod val="75000"/>
+                  </a:schemeClr>
+                </a:solidFill>
+              </a:rPr>
+              <a:t>copies</a:t>
+            </a:r>
+            <a:r>
+              <a:rPr lang="it-IT" sz="2400" dirty="0">
+                <a:solidFill>
+                  <a:schemeClr val="accent6">
+                    <a:lumMod val="75000"/>
+                  </a:schemeClr>
+                </a:solidFill>
+              </a:rPr>
+              <a:t> (i.e., </a:t>
+            </a:r>
+            <a:r>
+              <a:rPr lang="it-IT" sz="2400" dirty="0" err="1">
+                <a:solidFill>
+                  <a:schemeClr val="accent6">
+                    <a:lumMod val="75000"/>
+                  </a:schemeClr>
+                </a:solidFill>
+              </a:rPr>
+              <a:t>duplicates</a:t>
+            </a:r>
+            <a:r>
+              <a:rPr lang="it-IT" sz="2400" dirty="0">
+                <a:solidFill>
+                  <a:schemeClr val="accent6">
+                    <a:lumMod val="75000"/>
+                  </a:schemeClr>
+                </a:solidFill>
+              </a:rPr>
+              <a:t> </a:t>
+            </a:r>
+            <a:r>
+              <a:rPr lang="it-IT" sz="2400" dirty="0" err="1">
+                <a:solidFill>
+                  <a:schemeClr val="accent6">
+                    <a:lumMod val="75000"/>
+                  </a:schemeClr>
+                </a:solidFill>
+              </a:rPr>
+              <a:t>that</a:t>
+            </a:r>
+            <a:r>
+              <a:rPr lang="it-IT" sz="2400" dirty="0">
+                <a:solidFill>
+                  <a:schemeClr val="accent6">
+                    <a:lumMod val="75000"/>
+                  </a:schemeClr>
+                </a:solidFill>
+              </a:rPr>
+              <a:t> do </a:t>
+            </a:r>
+            <a:r>
+              <a:rPr lang="it-IT" sz="2400" dirty="0" err="1">
+                <a:solidFill>
+                  <a:schemeClr val="accent6">
+                    <a:lumMod val="75000"/>
+                  </a:schemeClr>
+                </a:solidFill>
+              </a:rPr>
+              <a:t>not</a:t>
+            </a:r>
+            <a:r>
+              <a:rPr lang="it-IT" sz="2400" dirty="0">
+                <a:solidFill>
+                  <a:schemeClr val="accent6">
+                    <a:lumMod val="75000"/>
+                  </a:schemeClr>
+                </a:solidFill>
+              </a:rPr>
+              <a:t> share </a:t>
+            </a:r>
+            <a:r>
+              <a:rPr lang="it-IT" sz="2400" dirty="0" err="1">
+                <a:solidFill>
+                  <a:schemeClr val="accent6">
+                    <a:lumMod val="75000"/>
+                  </a:schemeClr>
+                </a:solidFill>
+              </a:rPr>
+              <a:t>references</a:t>
+            </a:r>
+            <a:r>
+              <a:rPr lang="it-IT" sz="2400" dirty="0">
+                <a:solidFill>
+                  <a:schemeClr val="accent6">
+                    <a:lumMod val="75000"/>
+                  </a:schemeClr>
+                </a:solidFill>
+              </a:rPr>
+              <a:t> of </a:t>
+            </a:r>
+            <a:r>
+              <a:rPr lang="it-IT" sz="2400" dirty="0" err="1">
+                <a:solidFill>
+                  <a:schemeClr val="accent6">
+                    <a:lumMod val="75000"/>
+                  </a:schemeClr>
+                </a:solidFill>
+              </a:rPr>
+              <a:t>embedded</a:t>
+            </a:r>
+            <a:r>
+              <a:rPr lang="it-IT" sz="2400" dirty="0">
+                <a:solidFill>
+                  <a:schemeClr val="accent6">
+                    <a:lumMod val="75000"/>
+                  </a:schemeClr>
+                </a:solidFill>
+              </a:rPr>
+              <a:t> </a:t>
+            </a:r>
+            <a:r>
+              <a:rPr lang="it-IT" sz="2400" dirty="0" err="1">
+                <a:solidFill>
+                  <a:schemeClr val="accent6">
+                    <a:lumMod val="75000"/>
+                  </a:schemeClr>
+                </a:solidFill>
+              </a:rPr>
+              <a:t>objects</a:t>
+            </a:r>
+            <a:r>
+              <a:rPr lang="it-IT" sz="2400" dirty="0">
+                <a:solidFill>
+                  <a:schemeClr val="accent6">
+                    <a:lumMod val="75000"/>
+                  </a:schemeClr>
+                </a:solidFill>
+              </a:rPr>
+              <a:t>). </a:t>
+            </a:r>
+          </a:p>
+          <a:p>
+            <a:r>
+              <a:rPr lang="it-IT" sz="2400" dirty="0"/>
+              <a:t>The </a:t>
+            </a:r>
+            <a:r>
+              <a:rPr lang="it-IT" sz="2400" dirty="0">
+                <a:solidFill>
+                  <a:schemeClr val="accent6">
+                    <a:lumMod val="75000"/>
+                  </a:schemeClr>
+                </a:solidFill>
+              </a:rPr>
+              <a:t>copy </a:t>
+            </a:r>
+            <a:r>
+              <a:rPr lang="it-IT" sz="2400" dirty="0" err="1">
+                <a:solidFill>
+                  <a:schemeClr val="accent6">
+                    <a:lumMod val="75000"/>
+                  </a:schemeClr>
+                </a:solidFill>
+              </a:rPr>
+              <a:t>module</a:t>
+            </a:r>
+            <a:r>
+              <a:rPr lang="it-IT" sz="2400" dirty="0">
+                <a:solidFill>
+                  <a:schemeClr val="accent6">
+                    <a:lumMod val="75000"/>
+                  </a:schemeClr>
+                </a:solidFill>
+              </a:rPr>
+              <a:t> </a:t>
+            </a:r>
+            <a:r>
+              <a:rPr lang="it-IT" sz="2400" dirty="0" err="1"/>
+              <a:t>provides</a:t>
+            </a:r>
+            <a:r>
+              <a:rPr lang="it-IT" sz="2400" dirty="0"/>
+              <a:t> the </a:t>
+            </a:r>
+            <a:r>
+              <a:rPr lang="it-IT" sz="2400" dirty="0" err="1"/>
+              <a:t>deepcopy</a:t>
+            </a:r>
+            <a:r>
+              <a:rPr lang="it-IT" sz="2400" dirty="0"/>
+              <a:t> and copy </a:t>
+            </a:r>
+            <a:r>
+              <a:rPr lang="it-IT" sz="2400" dirty="0" err="1"/>
+              <a:t>functions</a:t>
+            </a:r>
+            <a:r>
+              <a:rPr lang="it-IT" sz="2400" dirty="0"/>
+              <a:t> </a:t>
+            </a:r>
+            <a:r>
+              <a:rPr lang="it-IT" sz="2400" dirty="0" err="1"/>
+              <a:t>that</a:t>
+            </a:r>
+            <a:r>
+              <a:rPr lang="it-IT" sz="2400" dirty="0"/>
+              <a:t> </a:t>
+            </a:r>
+            <a:r>
+              <a:rPr lang="it-IT" sz="2400" dirty="0" err="1"/>
+              <a:t>return</a:t>
+            </a:r>
+            <a:r>
+              <a:rPr lang="it-IT" sz="2400" dirty="0"/>
+              <a:t> </a:t>
+            </a:r>
+            <a:r>
+              <a:rPr lang="it-IT" sz="2400" dirty="0" err="1"/>
+              <a:t>deep</a:t>
+            </a:r>
+            <a:r>
+              <a:rPr lang="it-IT" sz="2400" dirty="0"/>
+              <a:t> and </a:t>
+            </a:r>
+            <a:r>
+              <a:rPr lang="it-IT" sz="2400" dirty="0" err="1"/>
+              <a:t>shallow</a:t>
+            </a:r>
+            <a:r>
+              <a:rPr lang="it-IT" sz="2400" dirty="0"/>
+              <a:t> </a:t>
+            </a:r>
+            <a:r>
+              <a:rPr lang="it-IT" sz="2400" dirty="0" err="1"/>
+              <a:t>copies</a:t>
+            </a:r>
+            <a:r>
+              <a:rPr lang="it-IT" sz="2400" dirty="0"/>
+              <a:t> of </a:t>
+            </a:r>
+            <a:r>
+              <a:rPr lang="it-IT" sz="2400" dirty="0" err="1"/>
+              <a:t>arbitrary</a:t>
+            </a:r>
+            <a:r>
+              <a:rPr lang="it-IT" sz="2400" dirty="0"/>
+              <a:t> </a:t>
+            </a:r>
+            <a:r>
+              <a:rPr lang="it-IT" sz="2400" dirty="0" err="1"/>
+              <a:t>objects</a:t>
+            </a:r>
+            <a:r>
+              <a:rPr lang="it-IT" sz="2400" dirty="0"/>
+              <a:t>. </a:t>
+            </a:r>
+          </a:p>
+          <a:p>
+            <a:endParaRPr lang="en-GB" sz="2400" dirty="0"/>
+          </a:p>
+        </p:txBody>
+      </p:sp>
+      <p:sp>
+        <p:nvSpPr>
+          <p:cNvPr id="4" name="Content Placeholder 3">
+            <a:extLst>
+              <a:ext uri="{FF2B5EF4-FFF2-40B4-BE49-F238E27FC236}">
+                <a16:creationId xmlns:a16="http://schemas.microsoft.com/office/drawing/2014/main" id="{D3CF9631-CCEF-7C4B-B32F-B6F68BC52D3B}"/>
+              </a:ext>
+            </a:extLst>
+          </p:cNvPr>
+          <p:cNvSpPr>
+            <a:spLocks noGrp="1"/>
+          </p:cNvSpPr>
+          <p:nvPr>
+            <p:ph sz="half" idx="2"/>
+          </p:nvPr>
+        </p:nvSpPr>
+        <p:spPr/>
+        <p:txBody>
+          <a:bodyPr/>
+          <a:lstStyle/>
+          <a:p>
+            <a:endParaRPr lang="en-GB"/>
+          </a:p>
+        </p:txBody>
+      </p:sp>
+      <p:sp>
+        <p:nvSpPr>
+          <p:cNvPr id="5" name="Slide Number Placeholder 4">
+            <a:extLst>
+              <a:ext uri="{FF2B5EF4-FFF2-40B4-BE49-F238E27FC236}">
+                <a16:creationId xmlns:a16="http://schemas.microsoft.com/office/drawing/2014/main" id="{236422EA-4632-324F-9462-B99410741388}"/>
+              </a:ext>
+            </a:extLst>
+          </p:cNvPr>
+          <p:cNvSpPr>
+            <a:spLocks noGrp="1"/>
+          </p:cNvSpPr>
+          <p:nvPr>
+            <p:ph type="sldNum" sz="quarter" idx="10"/>
+          </p:nvPr>
+        </p:nvSpPr>
+        <p:spPr/>
+        <p:txBody>
+          <a:bodyPr/>
+          <a:lstStyle/>
+          <a:p>
+            <a:pPr>
+              <a:defRPr/>
+            </a:pPr>
+            <a:fld id="{C0F5EEF4-5380-CA44-921D-21E069A5ECCA}" type="slidenum">
+              <a:rPr lang="it-IT" smtClean="0"/>
+              <a:pPr>
+                <a:defRPr/>
+              </a:pPr>
+              <a:t>72</a:t>
+            </a:fld>
+            <a:endParaRPr lang="it-IT" dirty="0"/>
+          </a:p>
+        </p:txBody>
+      </p:sp>
+    </p:spTree>
+    <p:extLst>
+      <p:ext uri="{BB962C8B-B14F-4D97-AF65-F5344CB8AC3E}">
+        <p14:creationId xmlns:p14="http://schemas.microsoft.com/office/powerpoint/2010/main" val="3743261297"/>
       </p:ext>
     </p:extLst>
   </p:cSld>
